--- a/user/assets/research_files/1/5/2018-09-06-09-37-11-185887_1_KOIKI_automated_audio_productions_ordering_system.pptx
+++ b/user/assets/research_files/1/5/2018-09-06-09-37-11-185887_1_KOIKI_automated_audio_productions_ordering_system.pptx
@@ -116,6 +116,11 @@
       </a:defRPr>
     </a:lvl9pPr>
   </p:defaultTextStyle>
+  <p:extLst>
+    <p:ext uri="{EFAFB233-063F-42B5-8137-9DF3F51BA10A}">
+      <p15:sldGuideLst xmlns:p15="http://schemas.microsoft.com/office/powerpoint/2012/main"/>
+    </p:ext>
+  </p:extLst>
 </p:presentation>
 </file>
 
@@ -305,7 +310,7 @@
           <a:p>
             <a:fld id="{4AAD347D-5ACD-4C99-B74B-A9C85AD731AF}" type="datetimeFigureOut">
               <a:rPr lang="en-US" dirty="0"/>
-              <a:t>6/13/2018</a:t>
+              <a:t>9/20/2018</a:t>
             </a:fld>
             <a:endParaRPr lang="en-US" dirty="0"/>
           </a:p>
@@ -575,7 +580,7 @@
           <a:p>
             <a:fld id="{4509A250-FF31-4206-8172-F9D3106AACB1}" type="datetimeFigureOut">
               <a:rPr lang="en-US" dirty="0"/>
-              <a:t>6/13/2018</a:t>
+              <a:t>9/20/2018</a:t>
             </a:fld>
             <a:endParaRPr lang="en-US" dirty="0"/>
           </a:p>
@@ -764,7 +769,7 @@
           <a:p>
             <a:fld id="{4509A250-FF31-4206-8172-F9D3106AACB1}" type="datetimeFigureOut">
               <a:rPr lang="en-US" dirty="0"/>
-              <a:t>6/13/2018</a:t>
+              <a:t>9/20/2018</a:t>
             </a:fld>
             <a:endParaRPr lang="en-US" dirty="0"/>
           </a:p>
@@ -1032,7 +1037,7 @@
           <a:p>
             <a:fld id="{4509A250-FF31-4206-8172-F9D3106AACB1}" type="datetimeFigureOut">
               <a:rPr lang="en-US" dirty="0"/>
-              <a:t>6/13/2018</a:t>
+              <a:t>9/20/2018</a:t>
             </a:fld>
             <a:endParaRPr lang="en-US" dirty="0"/>
           </a:p>
@@ -1368,7 +1373,7 @@
           <a:p>
             <a:fld id="{4509A250-FF31-4206-8172-F9D3106AACB1}" type="datetimeFigureOut">
               <a:rPr lang="en-US" dirty="0"/>
-              <a:t>6/13/2018</a:t>
+              <a:t>9/20/2018</a:t>
             </a:fld>
             <a:endParaRPr lang="en-US" dirty="0"/>
           </a:p>
@@ -1986,7 +1991,7 @@
           <a:p>
             <a:fld id="{4509A250-FF31-4206-8172-F9D3106AACB1}" type="datetimeFigureOut">
               <a:rPr lang="en-US" dirty="0"/>
-              <a:t>6/13/2018</a:t>
+              <a:t>9/20/2018</a:t>
             </a:fld>
             <a:endParaRPr lang="en-US" dirty="0"/>
           </a:p>
@@ -2841,7 +2846,7 @@
           <a:p>
             <a:fld id="{4509A250-FF31-4206-8172-F9D3106AACB1}" type="datetimeFigureOut">
               <a:rPr lang="en-US" dirty="0"/>
-              <a:t>6/13/2018</a:t>
+              <a:t>9/20/2018</a:t>
             </a:fld>
             <a:endParaRPr lang="en-US" dirty="0"/>
           </a:p>
@@ -3006,7 +3011,7 @@
           <a:p>
             <a:fld id="{4509A250-FF31-4206-8172-F9D3106AACB1}" type="datetimeFigureOut">
               <a:rPr lang="en-US" dirty="0"/>
-              <a:t>6/13/2018</a:t>
+              <a:t>9/20/2018</a:t>
             </a:fld>
             <a:endParaRPr lang="en-US" dirty="0"/>
           </a:p>
@@ -3181,7 +3186,7 @@
           <a:p>
             <a:fld id="{4509A250-FF31-4206-8172-F9D3106AACB1}" type="datetimeFigureOut">
               <a:rPr lang="en-US" dirty="0"/>
-              <a:t>6/13/2018</a:t>
+              <a:t>9/20/2018</a:t>
             </a:fld>
             <a:endParaRPr lang="en-US" dirty="0"/>
           </a:p>
@@ -3346,7 +3351,7 @@
           <a:p>
             <a:fld id="{4509A250-FF31-4206-8172-F9D3106AACB1}" type="datetimeFigureOut">
               <a:rPr lang="en-US" dirty="0"/>
-              <a:t>6/13/2018</a:t>
+              <a:t>9/20/2018</a:t>
             </a:fld>
             <a:endParaRPr lang="en-US" dirty="0"/>
           </a:p>
@@ -3588,7 +3593,7 @@
           <a:p>
             <a:fld id="{9796027F-7875-4030-9381-8BD8C4F21935}" type="datetimeFigureOut">
               <a:rPr lang="en-US" dirty="0"/>
-              <a:t>6/13/2018</a:t>
+              <a:t>9/20/2018</a:t>
             </a:fld>
             <a:endParaRPr lang="en-US" dirty="0"/>
           </a:p>
@@ -3875,7 +3880,7 @@
           <a:p>
             <a:fld id="{9796027F-7875-4030-9381-8BD8C4F21935}" type="datetimeFigureOut">
               <a:rPr lang="en-US" dirty="0"/>
-              <a:t>6/13/2018</a:t>
+              <a:t>9/20/2018</a:t>
             </a:fld>
             <a:endParaRPr lang="en-US" dirty="0"/>
           </a:p>
@@ -4314,7 +4319,7 @@
           <a:p>
             <a:fld id="{9796027F-7875-4030-9381-8BD8C4F21935}" type="datetimeFigureOut">
               <a:rPr lang="en-US" dirty="0"/>
-              <a:t>6/13/2018</a:t>
+              <a:t>9/20/2018</a:t>
             </a:fld>
             <a:endParaRPr lang="en-US" dirty="0"/>
           </a:p>
@@ -4427,7 +4432,7 @@
           <a:p>
             <a:fld id="{4509A250-FF31-4206-8172-F9D3106AACB1}" type="datetimeFigureOut">
               <a:rPr lang="en-US" dirty="0"/>
-              <a:t>6/13/2018</a:t>
+              <a:t>9/20/2018</a:t>
             </a:fld>
             <a:endParaRPr lang="en-US" dirty="0"/>
           </a:p>
@@ -4517,7 +4522,7 @@
           <a:p>
             <a:fld id="{4509A250-FF31-4206-8172-F9D3106AACB1}" type="datetimeFigureOut">
               <a:rPr lang="en-US" dirty="0"/>
-              <a:t>6/13/2018</a:t>
+              <a:t>9/20/2018</a:t>
             </a:fld>
             <a:endParaRPr lang="en-US" dirty="0"/>
           </a:p>
@@ -4791,7 +4796,7 @@
           <a:p>
             <a:fld id="{4509A250-FF31-4206-8172-F9D3106AACB1}" type="datetimeFigureOut">
               <a:rPr lang="en-US" dirty="0"/>
-              <a:t>6/13/2018</a:t>
+              <a:t>9/20/2018</a:t>
             </a:fld>
             <a:endParaRPr lang="en-US" dirty="0"/>
           </a:p>
@@ -5061,7 +5066,7 @@
           <a:p>
             <a:fld id="{4509A250-FF31-4206-8172-F9D3106AACB1}" type="datetimeFigureOut">
               <a:rPr lang="en-US" dirty="0"/>
-              <a:t>6/13/2018</a:t>
+              <a:t>9/20/2018</a:t>
             </a:fld>
             <a:endParaRPr lang="en-US" dirty="0"/>
           </a:p>
@@ -5485,7 +5490,7 @@
           <a:p>
             <a:fld id="{4AAD347D-5ACD-4C99-B74B-A9C85AD731AF}" type="datetimeFigureOut">
               <a:rPr lang="en-US" dirty="0"/>
-              <a:t>6/13/2018</a:t>
+              <a:t>9/20/2018</a:t>
             </a:fld>
             <a:endParaRPr lang="en-US" dirty="0"/>
           </a:p>
@@ -7554,11 +7559,11 @@
   <p:clrMapOvr>
     <a:masterClrMapping/>
   </p:clrMapOvr>
-  <mc:AlternateContent xmlns:mc="http://schemas.openxmlformats.org/markup-compatibility/2006">
-    <mc:Choice xmlns:p14="http://schemas.microsoft.com/office/powerpoint/2010/main" Requires="p14">
+  <mc:AlternateContent xmlns:mc="http://schemas.openxmlformats.org/markup-compatibility/2006" xmlns:p14="http://schemas.microsoft.com/office/powerpoint/2010/main">
+    <mc:Choice Requires="p14">
       <p:transition p14:dur="0"/>
     </mc:Choice>
-    <mc:Fallback>
+    <mc:Fallback xmlns="">
       <p:transition/>
     </mc:Fallback>
   </mc:AlternateContent>
